--- a/Documents/ToneMapping.pptx
+++ b/Documents/ToneMapping.pptx
@@ -272,7 +272,7 @@
           <a:p>
             <a:fld id="{20FDF2D6-8C5E-4A0C-AD78-AB907B009066}" type="datetimeFigureOut">
               <a:rPr lang="ko-KR" altLang="en-US" smtClean="0"/>
-              <a:t>2025-12-15</a:t>
+              <a:t>2025-12-16</a:t>
             </a:fld>
             <a:endParaRPr lang="ko-KR" altLang="en-US"/>
           </a:p>
@@ -470,7 +470,7 @@
           <a:p>
             <a:fld id="{20FDF2D6-8C5E-4A0C-AD78-AB907B009066}" type="datetimeFigureOut">
               <a:rPr lang="ko-KR" altLang="en-US" smtClean="0"/>
-              <a:t>2025-12-15</a:t>
+              <a:t>2025-12-16</a:t>
             </a:fld>
             <a:endParaRPr lang="ko-KR" altLang="en-US"/>
           </a:p>
@@ -678,7 +678,7 @@
           <a:p>
             <a:fld id="{20FDF2D6-8C5E-4A0C-AD78-AB907B009066}" type="datetimeFigureOut">
               <a:rPr lang="ko-KR" altLang="en-US" smtClean="0"/>
-              <a:t>2025-12-15</a:t>
+              <a:t>2025-12-16</a:t>
             </a:fld>
             <a:endParaRPr lang="ko-KR" altLang="en-US"/>
           </a:p>
@@ -876,7 +876,7 @@
           <a:p>
             <a:fld id="{20FDF2D6-8C5E-4A0C-AD78-AB907B009066}" type="datetimeFigureOut">
               <a:rPr lang="ko-KR" altLang="en-US" smtClean="0"/>
-              <a:t>2025-12-15</a:t>
+              <a:t>2025-12-16</a:t>
             </a:fld>
             <a:endParaRPr lang="ko-KR" altLang="en-US"/>
           </a:p>
@@ -1151,7 +1151,7 @@
           <a:p>
             <a:fld id="{20FDF2D6-8C5E-4A0C-AD78-AB907B009066}" type="datetimeFigureOut">
               <a:rPr lang="ko-KR" altLang="en-US" smtClean="0"/>
-              <a:t>2025-12-15</a:t>
+              <a:t>2025-12-16</a:t>
             </a:fld>
             <a:endParaRPr lang="ko-KR" altLang="en-US"/>
           </a:p>
@@ -1416,7 +1416,7 @@
           <a:p>
             <a:fld id="{20FDF2D6-8C5E-4A0C-AD78-AB907B009066}" type="datetimeFigureOut">
               <a:rPr lang="ko-KR" altLang="en-US" smtClean="0"/>
-              <a:t>2025-12-15</a:t>
+              <a:t>2025-12-16</a:t>
             </a:fld>
             <a:endParaRPr lang="ko-KR" altLang="en-US"/>
           </a:p>
@@ -1828,7 +1828,7 @@
           <a:p>
             <a:fld id="{20FDF2D6-8C5E-4A0C-AD78-AB907B009066}" type="datetimeFigureOut">
               <a:rPr lang="ko-KR" altLang="en-US" smtClean="0"/>
-              <a:t>2025-12-15</a:t>
+              <a:t>2025-12-16</a:t>
             </a:fld>
             <a:endParaRPr lang="ko-KR" altLang="en-US"/>
           </a:p>
@@ -1969,7 +1969,7 @@
           <a:p>
             <a:fld id="{20FDF2D6-8C5E-4A0C-AD78-AB907B009066}" type="datetimeFigureOut">
               <a:rPr lang="ko-KR" altLang="en-US" smtClean="0"/>
-              <a:t>2025-12-15</a:t>
+              <a:t>2025-12-16</a:t>
             </a:fld>
             <a:endParaRPr lang="ko-KR" altLang="en-US"/>
           </a:p>
@@ -2082,7 +2082,7 @@
           <a:p>
             <a:fld id="{20FDF2D6-8C5E-4A0C-AD78-AB907B009066}" type="datetimeFigureOut">
               <a:rPr lang="ko-KR" altLang="en-US" smtClean="0"/>
-              <a:t>2025-12-15</a:t>
+              <a:t>2025-12-16</a:t>
             </a:fld>
             <a:endParaRPr lang="ko-KR" altLang="en-US"/>
           </a:p>
@@ -2393,7 +2393,7 @@
           <a:p>
             <a:fld id="{20FDF2D6-8C5E-4A0C-AD78-AB907B009066}" type="datetimeFigureOut">
               <a:rPr lang="ko-KR" altLang="en-US" smtClean="0"/>
-              <a:t>2025-12-15</a:t>
+              <a:t>2025-12-16</a:t>
             </a:fld>
             <a:endParaRPr lang="ko-KR" altLang="en-US"/>
           </a:p>
@@ -2681,7 +2681,7 @@
           <a:p>
             <a:fld id="{20FDF2D6-8C5E-4A0C-AD78-AB907B009066}" type="datetimeFigureOut">
               <a:rPr lang="ko-KR" altLang="en-US" smtClean="0"/>
-              <a:t>2025-12-15</a:t>
+              <a:t>2025-12-16</a:t>
             </a:fld>
             <a:endParaRPr lang="ko-KR" altLang="en-US"/>
           </a:p>
@@ -2922,7 +2922,7 @@
           <a:p>
             <a:fld id="{20FDF2D6-8C5E-4A0C-AD78-AB907B009066}" type="datetimeFigureOut">
               <a:rPr lang="ko-KR" altLang="en-US" smtClean="0"/>
-              <a:t>2025-12-15</a:t>
+              <a:t>2025-12-16</a:t>
             </a:fld>
             <a:endParaRPr lang="ko-KR" altLang="en-US"/>
           </a:p>
@@ -7833,7 +7833,19 @@
             </a:r>
             <a:r>
               <a:rPr lang="ko-KR" altLang="en-US" dirty="0"/>
-              <a:t>출력 범위로 매핑하기 위한 </a:t>
+              <a:t>출력 범위 </a:t>
+            </a:r>
+            <a:r>
+              <a:rPr lang="en-US" altLang="ko-KR"/>
+              <a:t>[0,1]</a:t>
+            </a:r>
+            <a:r>
+              <a:rPr lang="ko-KR" altLang="en-US"/>
+              <a:t> 로 </a:t>
+            </a:r>
+            <a:r>
+              <a:rPr lang="ko-KR" altLang="en-US" dirty="0"/>
+              <a:t>매핑하기 위한 </a:t>
             </a:r>
             <a:r>
               <a:rPr lang="en-US" altLang="ko-KR" dirty="0"/>

--- a/Documents/ToneMapping.pptx
+++ b/Documents/ToneMapping.pptx
@@ -7841,7 +7841,7 @@
             </a:r>
             <a:r>
               <a:rPr lang="ko-KR" altLang="en-US"/>
-              <a:t> 로 </a:t>
+              <a:t>로 </a:t>
             </a:r>
             <a:r>
               <a:rPr lang="ko-KR" altLang="en-US" dirty="0"/>
